--- a/modules/DesignPatterns/Content/CreationalDesignPatterns/FactoryPattern/Notes/Factory-Design-Pattern.pptx
+++ b/modules/DesignPatterns/Content/CreationalDesignPatterns/FactoryPattern/Notes/Factory-Design-Pattern.pptx
@@ -8,7 +8,7 @@
     <p:sldId id="256" r:id="rId2"/>
     <p:sldId id="257" r:id="rId3"/>
     <p:sldId id="258" r:id="rId4"/>
-    <p:sldId id="259" r:id="rId5"/>
+    <p:sldId id="260" r:id="rId5"/>
   </p:sldIdLst>
   <p:sldSz cx="12192000" cy="6858000"/>
   <p:notesSz cx="6858000" cy="9144000"/>
@@ -179,7 +179,7 @@
           <a:p>
             <a:fld id="{F5C1EE7F-17DA-4E97-82F1-9D07529630D5}" type="datetimeFigureOut">
               <a:rPr lang="en-GB" smtClean="0"/>
-              <a:t>24/07/2020</a:t>
+              <a:t>04/08/2020</a:t>
             </a:fld>
             <a:endParaRPr lang="en-GB"/>
           </a:p>
@@ -422,7 +422,7 @@
           <a:p>
             <a:fld id="{F5C1EE7F-17DA-4E97-82F1-9D07529630D5}" type="datetimeFigureOut">
               <a:rPr lang="en-GB" smtClean="0"/>
-              <a:t>24/07/2020</a:t>
+              <a:t>04/08/2020</a:t>
             </a:fld>
             <a:endParaRPr lang="en-GB"/>
           </a:p>
@@ -1094,12 +1094,6 @@
 <file path=ppt/slides/slide4.xml><?xml version="1.0" encoding="utf-8"?>
 <p:sld xmlns:a="http://schemas.openxmlformats.org/drawingml/2006/main" xmlns:r="http://schemas.openxmlformats.org/officeDocument/2006/relationships" xmlns:p="http://schemas.openxmlformats.org/presentationml/2006/main">
   <p:cSld>
-    <p:bg>
-      <p:bgPr>
-        <a:noFill/>
-        <a:effectLst/>
-      </p:bgPr>
-    </p:bg>
     <p:spTree>
       <p:nvGrpSpPr>
         <p:cNvPr id="1" name=""/>
@@ -1116,10 +1110,10 @@
       </p:grpSpPr>
       <p:sp>
         <p:nvSpPr>
-          <p:cNvPr id="2" name="Title 1" hidden="1">
-            <a:extLst>
-              <a:ext uri="{FF2B5EF4-FFF2-40B4-BE49-F238E27FC236}">
-                <a16:creationId xmlns:a16="http://schemas.microsoft.com/office/drawing/2014/main" id="{51C0463A-C696-4B46-9848-348A6C523A02}"/>
+          <p:cNvPr id="2" name="Title 1">
+            <a:extLst>
+              <a:ext uri="{FF2B5EF4-FFF2-40B4-BE49-F238E27FC236}">
+                <a16:creationId xmlns:a16="http://schemas.microsoft.com/office/drawing/2014/main" id="{2E05D48E-D2BD-4C53-8589-8ADDB4948E0D}"/>
               </a:ext>
             </a:extLst>
           </p:cNvPr>
@@ -1132,49 +1126,166 @@
         </p:nvSpPr>
         <p:spPr/>
         <p:txBody>
-          <a:bodyPr/>
+          <a:bodyPr>
+            <a:normAutofit fontScale="90000"/>
+          </a:bodyPr>
           <a:lstStyle/>
           <a:p>
             <a:r>
-              <a:rPr lang="en-IN"/>
-              <a:t>Real Time Examples:</a:t>
-            </a:r>
+              <a:rPr lang="en-IN" dirty="0"/>
+              <a:t>Implementation in JDK</a:t>
+            </a:r>
+            <a:br>
+              <a:rPr lang="en-IN" dirty="0"/>
+            </a:br>
+            <a:br>
+              <a:rPr lang="en-IN" dirty="0"/>
+            </a:br>
             <a:endParaRPr lang="en-GB" dirty="0"/>
           </a:p>
         </p:txBody>
       </p:sp>
-      <p:pic>
-        <p:nvPicPr>
-          <p:cNvPr id="3" name="Picture 2">
-            <a:extLst>
-              <a:ext uri="{FF2B5EF4-FFF2-40B4-BE49-F238E27FC236}">
-                <a16:creationId xmlns:a16="http://schemas.microsoft.com/office/drawing/2014/main" id="{F5945934-1E83-4C4D-805E-DA4E1CF84E3F}"/>
-              </a:ext>
-            </a:extLst>
-          </p:cNvPr>
-          <p:cNvPicPr/>
+      <p:sp>
+        <p:nvSpPr>
+          <p:cNvPr id="4" name="Title 1">
+            <a:extLst>
+              <a:ext uri="{FF2B5EF4-FFF2-40B4-BE49-F238E27FC236}">
+                <a16:creationId xmlns:a16="http://schemas.microsoft.com/office/drawing/2014/main" id="{9B2D787B-6743-4639-B007-57D7A1A264A2}"/>
+              </a:ext>
+            </a:extLst>
+          </p:cNvPr>
+          <p:cNvSpPr txBox="1">
+            <a:spLocks/>
+          </p:cNvSpPr>
           <p:nvPr/>
-        </p:nvPicPr>
-        <p:blipFill>
-          <a:blip r:embed="rId2"/>
-          <a:stretch>
-            <a:fillRect/>
-          </a:stretch>
-        </p:blipFill>
+        </p:nvSpPr>
         <p:spPr>
           <a:xfrm>
-            <a:off x="0" y="0"/>
-            <a:ext cx="12192000" cy="6858000"/>
+            <a:off x="627742" y="1562554"/>
+            <a:ext cx="10515600" cy="4068989"/>
           </a:xfrm>
           <a:prstGeom prst="rect">
             <a:avLst/>
           </a:prstGeom>
         </p:spPr>
-      </p:pic>
+        <p:txBody>
+          <a:bodyPr vert="horz" lIns="91440" tIns="45720" rIns="91440" bIns="45720" rtlCol="0" anchor="ctr">
+            <a:normAutofit fontScale="75000" lnSpcReduction="20000"/>
+          </a:bodyPr>
+          <a:lstStyle>
+            <a:lvl1pPr algn="l" defTabSz="914400" rtl="0" eaLnBrk="1" latinLnBrk="0" hangingPunct="1">
+              <a:lnSpc>
+                <a:spcPct val="90000"/>
+              </a:lnSpc>
+              <a:spcBef>
+                <a:spcPct val="0"/>
+              </a:spcBef>
+              <a:buNone/>
+              <a:defRPr sz="4400" kern="1200">
+                <a:solidFill>
+                  <a:schemeClr val="tx1"/>
+                </a:solidFill>
+                <a:latin typeface="+mj-lt"/>
+                <a:ea typeface="+mj-ea"/>
+                <a:cs typeface="+mj-cs"/>
+              </a:defRPr>
+            </a:lvl1pPr>
+          </a:lstStyle>
+          <a:p>
+            <a:r>
+              <a:rPr lang="en-IN" dirty="0" err="1"/>
+              <a:t>Java.util.Calendar</a:t>
+            </a:r>
+            <a:r>
+              <a:rPr lang="en-IN" dirty="0"/>
+              <a:t>   # </a:t>
+            </a:r>
+            <a:r>
+              <a:rPr lang="en-IN" dirty="0" err="1"/>
+              <a:t>getInstance</a:t>
+            </a:r>
+            <a:r>
+              <a:rPr lang="en-IN" dirty="0"/>
+              <a:t>()</a:t>
+            </a:r>
+          </a:p>
+          <a:p>
+            <a:endParaRPr lang="en-IN" dirty="0"/>
+          </a:p>
+          <a:p>
+            <a:r>
+              <a:rPr lang="en-IN" dirty="0" err="1"/>
+              <a:t>Java.util.ResourceBundle</a:t>
+            </a:r>
+            <a:r>
+              <a:rPr lang="en-IN" dirty="0"/>
+              <a:t> # </a:t>
+            </a:r>
+            <a:r>
+              <a:rPr lang="en-IN" dirty="0" err="1"/>
+              <a:t>getBundle</a:t>
+            </a:r>
+            <a:r>
+              <a:rPr lang="en-IN" dirty="0"/>
+              <a:t>()</a:t>
+            </a:r>
+          </a:p>
+          <a:p>
+            <a:endParaRPr lang="en-IN" dirty="0"/>
+          </a:p>
+          <a:p>
+            <a:r>
+              <a:rPr lang="en-IN" dirty="0" err="1"/>
+              <a:t>Java.text.NumberFormat</a:t>
+            </a:r>
+            <a:r>
+              <a:rPr lang="en-IN" dirty="0"/>
+              <a:t> # </a:t>
+            </a:r>
+            <a:r>
+              <a:rPr lang="en-IN" dirty="0" err="1"/>
+              <a:t>getInstance</a:t>
+            </a:r>
+            <a:r>
+              <a:rPr lang="en-IN" dirty="0"/>
+              <a:t>()</a:t>
+            </a:r>
+          </a:p>
+          <a:p>
+            <a:endParaRPr lang="en-IN" dirty="0"/>
+          </a:p>
+          <a:p>
+            <a:r>
+              <a:rPr lang="en-IN" dirty="0" err="1"/>
+              <a:t>Java.util.Enumset</a:t>
+            </a:r>
+            <a:r>
+              <a:rPr lang="en-IN" dirty="0"/>
+              <a:t>  # of()</a:t>
+            </a:r>
+          </a:p>
+          <a:p>
+            <a:endParaRPr lang="en-IN" dirty="0"/>
+          </a:p>
+          <a:p>
+            <a:r>
+              <a:rPr lang="en-IN" dirty="0"/>
+              <a:t> </a:t>
+            </a:r>
+            <a:br>
+              <a:rPr lang="en-IN" dirty="0"/>
+            </a:br>
+            <a:br>
+              <a:rPr lang="en-IN" dirty="0"/>
+            </a:br>
+            <a:endParaRPr lang="en-GB" dirty="0"/>
+          </a:p>
+        </p:txBody>
+      </p:sp>
     </p:spTree>
     <p:extLst>
       <p:ext uri="{BB962C8B-B14F-4D97-AF65-F5344CB8AC3E}">
-        <p14:creationId xmlns:p14="http://schemas.microsoft.com/office/powerpoint/2010/main" val="3700793577"/>
+        <p14:creationId xmlns:p14="http://schemas.microsoft.com/office/powerpoint/2010/main" val="1011008604"/>
       </p:ext>
     </p:extLst>
   </p:cSld>
